--- a/Diapositivas/Segmentación de Perfiles de Usuario_ Un Enfoque de ML No Supervisado.pptx
+++ b/Diapositivas/Segmentación de Perfiles de Usuario_ Un Enfoque de ML No Supervisado.pptx
@@ -24,25 +24,18 @@
   <p:notesSz cx="6858000" cy="9144000"/>
   <p:embeddedFontLst>
     <p:embeddedFont>
-      <p:font typeface="Calibri" panose="020F0502020204030204" pitchFamily="34" charset="0"/>
+      <p:font typeface="DM Sans" panose="020F0502020204030204" pitchFamily="2" charset="0"/>
       <p:regular r:id="rId14"/>
       <p:bold r:id="rId15"/>
       <p:italic r:id="rId16"/>
       <p:boldItalic r:id="rId17"/>
     </p:embeddedFont>
     <p:embeddedFont>
-      <p:font typeface="DM Sans" panose="020B0604020202020204" charset="0"/>
+      <p:font typeface="Merriweather" panose="00000500000000000000" pitchFamily="2" charset="0"/>
       <p:regular r:id="rId18"/>
       <p:bold r:id="rId19"/>
       <p:italic r:id="rId20"/>
       <p:boldItalic r:id="rId21"/>
-    </p:embeddedFont>
-    <p:embeddedFont>
-      <p:font typeface="Merriweather" panose="020B0604020202020204" pitchFamily="2" charset="0"/>
-      <p:regular r:id="rId22"/>
-      <p:bold r:id="rId23"/>
-      <p:italic r:id="rId24"/>
-      <p:boldItalic r:id="rId25"/>
     </p:embeddedFont>
   </p:embeddedFontLst>
   <p:defaultTextStyle>
